--- a/presentation material/Drug-Supply-Management-System-using-Blockchain.pptx
+++ b/presentation material/Drug-Supply-Management-System-using-Blockchain.pptx
@@ -22,8 +22,12 @@
   <p:notesSz cx="8229600" cy="14630400"/>
   <p:embeddedFontLst>
     <p:embeddedFont>
+      <p:font typeface="Barlow Bold" panose="00000800000000000000" pitchFamily="2" charset="0"/>
+      <p:bold r:id="rId12"/>
+    </p:embeddedFont>
+    <p:embeddedFont>
       <p:font typeface="Montserrat" panose="00000500000000000000" pitchFamily="2" charset="0"/>
-      <p:regular r:id="rId12"/>
+      <p:regular r:id="rId13"/>
     </p:embeddedFont>
   </p:embeddedFontLst>
   <p:defaultTextStyle>
@@ -1808,7 +1812,7 @@
           <a:p>
             <a:fld id="{4AAD347D-5ACD-4C99-B74B-A9C85AD731AF}" type="datetimeFigureOut">
               <a:rPr lang="en-US" smtClean="0"/>
-              <a:t>10/19/2024</a:t>
+              <a:t>3/22/2025</a:t>
             </a:fld>
             <a:endParaRPr lang="en-US" dirty="0"/>
           </a:p>
@@ -2009,7 +2013,7 @@
           <a:p>
             <a:fld id="{4509A250-FF31-4206-8172-F9D3106AACB1}" type="datetimeFigureOut">
               <a:rPr lang="en-US" smtClean="0"/>
-              <a:t>10/19/2024</a:t>
+              <a:t>3/22/2025</a:t>
             </a:fld>
             <a:endParaRPr lang="en-US" dirty="0"/>
           </a:p>
@@ -2220,7 +2224,7 @@
           <a:p>
             <a:fld id="{4509A250-FF31-4206-8172-F9D3106AACB1}" type="datetimeFigureOut">
               <a:rPr lang="en-US" smtClean="0"/>
-              <a:t>10/19/2024</a:t>
+              <a:t>3/22/2025</a:t>
             </a:fld>
             <a:endParaRPr lang="en-US" dirty="0"/>
           </a:p>
@@ -2661,7 +2665,7 @@
           <a:p>
             <a:fld id="{4509A250-FF31-4206-8172-F9D3106AACB1}" type="datetimeFigureOut">
               <a:rPr lang="en-US" smtClean="0"/>
-              <a:t>10/19/2024</a:t>
+              <a:t>3/22/2025</a:t>
             </a:fld>
             <a:endParaRPr lang="en-US" dirty="0"/>
           </a:p>
@@ -2938,7 +2942,7 @@
           <a:p>
             <a:fld id="{9796027F-7875-4030-9381-8BD8C4F21935}" type="datetimeFigureOut">
               <a:rPr lang="en-US" smtClean="0"/>
-              <a:t>10/19/2024</a:t>
+              <a:t>3/22/2025</a:t>
             </a:fld>
             <a:endParaRPr lang="en-US" dirty="0"/>
           </a:p>
@@ -3207,7 +3211,7 @@
           <a:p>
             <a:fld id="{9796027F-7875-4030-9381-8BD8C4F21935}" type="datetimeFigureOut">
               <a:rPr lang="en-US" smtClean="0"/>
-              <a:t>10/19/2024</a:t>
+              <a:t>3/22/2025</a:t>
             </a:fld>
             <a:endParaRPr lang="en-US" dirty="0"/>
           </a:p>
@@ -3623,7 +3627,7 @@
           <a:p>
             <a:fld id="{9796027F-7875-4030-9381-8BD8C4F21935}" type="datetimeFigureOut">
               <a:rPr lang="en-US" smtClean="0"/>
-              <a:t>10/19/2024</a:t>
+              <a:t>3/22/2025</a:t>
             </a:fld>
             <a:endParaRPr lang="en-US" dirty="0"/>
           </a:p>
@@ -3766,7 +3770,7 @@
           <a:p>
             <a:fld id="{4509A250-FF31-4206-8172-F9D3106AACB1}" type="datetimeFigureOut">
               <a:rPr lang="en-US" smtClean="0"/>
-              <a:t>10/19/2024</a:t>
+              <a:t>3/22/2025</a:t>
             </a:fld>
             <a:endParaRPr lang="en-US" dirty="0"/>
           </a:p>
@@ -3880,7 +3884,7 @@
           <a:p>
             <a:fld id="{4509A250-FF31-4206-8172-F9D3106AACB1}" type="datetimeFigureOut">
               <a:rPr lang="en-US" smtClean="0"/>
-              <a:t>10/19/2024</a:t>
+              <a:t>3/22/2025</a:t>
             </a:fld>
             <a:endParaRPr lang="en-US" dirty="0"/>
           </a:p>
@@ -4194,7 +4198,7 @@
           <a:p>
             <a:fld id="{4509A250-FF31-4206-8172-F9D3106AACB1}" type="datetimeFigureOut">
               <a:rPr lang="en-US" smtClean="0"/>
-              <a:t>10/19/2024</a:t>
+              <a:t>3/22/2025</a:t>
             </a:fld>
             <a:endParaRPr lang="en-US" dirty="0"/>
           </a:p>
@@ -4484,7 +4488,7 @@
           <a:p>
             <a:fld id="{4509A250-FF31-4206-8172-F9D3106AACB1}" type="datetimeFigureOut">
               <a:rPr lang="en-US" smtClean="0"/>
-              <a:t>10/19/2024</a:t>
+              <a:t>3/22/2025</a:t>
             </a:fld>
             <a:endParaRPr lang="en-US" dirty="0"/>
           </a:p>
@@ -4728,7 +4732,7 @@
           <a:p>
             <a:fld id="{4AAD347D-5ACD-4C99-B74B-A9C85AD731AF}" type="datetimeFigureOut">
               <a:rPr lang="en-US" smtClean="0"/>
-              <a:t>10/19/2024</a:t>
+              <a:t>3/22/2025</a:t>
             </a:fld>
             <a:endParaRPr lang="en-US" dirty="0"/>
           </a:p>
